--- a/SPRINT1/Entregáveis/Lean UX.pptx
+++ b/SPRINT1/Entregáveis/Lean UX.pptx
@@ -259,7 +259,7 @@
           <a:p>
             <a:fld id="{70F8F2D9-8330-40F8-B8D1-9258DC26AD36}" type="datetimeFigureOut">
               <a:rPr lang="pt-BR" smtClean="0"/>
-              <a:t>21/02/2022</a:t>
+              <a:t>28/03/2022</a:t>
             </a:fld>
             <a:endParaRPr lang="pt-BR"/>
           </a:p>
@@ -457,7 +457,7 @@
           <a:p>
             <a:fld id="{70F8F2D9-8330-40F8-B8D1-9258DC26AD36}" type="datetimeFigureOut">
               <a:rPr lang="pt-BR" smtClean="0"/>
-              <a:t>21/02/2022</a:t>
+              <a:t>28/03/2022</a:t>
             </a:fld>
             <a:endParaRPr lang="pt-BR"/>
           </a:p>
@@ -665,7 +665,7 @@
           <a:p>
             <a:fld id="{70F8F2D9-8330-40F8-B8D1-9258DC26AD36}" type="datetimeFigureOut">
               <a:rPr lang="pt-BR" smtClean="0"/>
-              <a:t>21/02/2022</a:t>
+              <a:t>28/03/2022</a:t>
             </a:fld>
             <a:endParaRPr lang="pt-BR"/>
           </a:p>
@@ -863,7 +863,7 @@
           <a:p>
             <a:fld id="{70F8F2D9-8330-40F8-B8D1-9258DC26AD36}" type="datetimeFigureOut">
               <a:rPr lang="pt-BR" smtClean="0"/>
-              <a:t>21/02/2022</a:t>
+              <a:t>28/03/2022</a:t>
             </a:fld>
             <a:endParaRPr lang="pt-BR"/>
           </a:p>
@@ -1138,7 +1138,7 @@
           <a:p>
             <a:fld id="{70F8F2D9-8330-40F8-B8D1-9258DC26AD36}" type="datetimeFigureOut">
               <a:rPr lang="pt-BR" smtClean="0"/>
-              <a:t>21/02/2022</a:t>
+              <a:t>28/03/2022</a:t>
             </a:fld>
             <a:endParaRPr lang="pt-BR"/>
           </a:p>
@@ -1403,7 +1403,7 @@
           <a:p>
             <a:fld id="{70F8F2D9-8330-40F8-B8D1-9258DC26AD36}" type="datetimeFigureOut">
               <a:rPr lang="pt-BR" smtClean="0"/>
-              <a:t>21/02/2022</a:t>
+              <a:t>28/03/2022</a:t>
             </a:fld>
             <a:endParaRPr lang="pt-BR"/>
           </a:p>
@@ -1815,7 +1815,7 @@
           <a:p>
             <a:fld id="{70F8F2D9-8330-40F8-B8D1-9258DC26AD36}" type="datetimeFigureOut">
               <a:rPr lang="pt-BR" smtClean="0"/>
-              <a:t>21/02/2022</a:t>
+              <a:t>28/03/2022</a:t>
             </a:fld>
             <a:endParaRPr lang="pt-BR"/>
           </a:p>
@@ -1956,7 +1956,7 @@
           <a:p>
             <a:fld id="{70F8F2D9-8330-40F8-B8D1-9258DC26AD36}" type="datetimeFigureOut">
               <a:rPr lang="pt-BR" smtClean="0"/>
-              <a:t>21/02/2022</a:t>
+              <a:t>28/03/2022</a:t>
             </a:fld>
             <a:endParaRPr lang="pt-BR"/>
           </a:p>
@@ -2069,7 +2069,7 @@
           <a:p>
             <a:fld id="{70F8F2D9-8330-40F8-B8D1-9258DC26AD36}" type="datetimeFigureOut">
               <a:rPr lang="pt-BR" smtClean="0"/>
-              <a:t>21/02/2022</a:t>
+              <a:t>28/03/2022</a:t>
             </a:fld>
             <a:endParaRPr lang="pt-BR"/>
           </a:p>
@@ -2380,7 +2380,7 @@
           <a:p>
             <a:fld id="{70F8F2D9-8330-40F8-B8D1-9258DC26AD36}" type="datetimeFigureOut">
               <a:rPr lang="pt-BR" smtClean="0"/>
-              <a:t>21/02/2022</a:t>
+              <a:t>28/03/2022</a:t>
             </a:fld>
             <a:endParaRPr lang="pt-BR"/>
           </a:p>
@@ -2668,7 +2668,7 @@
           <a:p>
             <a:fld id="{70F8F2D9-8330-40F8-B8D1-9258DC26AD36}" type="datetimeFigureOut">
               <a:rPr lang="pt-BR" smtClean="0"/>
-              <a:t>21/02/2022</a:t>
+              <a:t>28/03/2022</a:t>
             </a:fld>
             <a:endParaRPr lang="pt-BR"/>
           </a:p>
@@ -2909,7 +2909,7 @@
           <a:p>
             <a:fld id="{70F8F2D9-8330-40F8-B8D1-9258DC26AD36}" type="datetimeFigureOut">
               <a:rPr lang="pt-BR" smtClean="0"/>
-              <a:t>21/02/2022</a:t>
+              <a:t>28/03/2022</a:t>
             </a:fld>
             <a:endParaRPr lang="pt-BR"/>
           </a:p>
@@ -3409,27 +3409,8 @@
                 <a:ea typeface="Verdana" panose="020B0604030504040204" pitchFamily="34" charset="0"/>
                 <a:cs typeface="MV Boli" panose="02000500030200090000" pitchFamily="2" charset="0"/>
               </a:rPr>
-              <a:t>Dream </a:t>
-            </a:r>
-            <a:r>
-              <a:rPr lang="pt-BR" sz="2400" dirty="0" err="1">
-                <a:solidFill>
-                  <a:prstClr val="black"/>
-                </a:solidFill>
-                <a:latin typeface="Verdana" panose="020B0604030504040204" pitchFamily="34" charset="0"/>
-                <a:ea typeface="Verdana" panose="020B0604030504040204" pitchFamily="34" charset="0"/>
-                <a:cs typeface="MV Boli" panose="02000500030200090000" pitchFamily="2" charset="0"/>
-              </a:rPr>
-              <a:t>House</a:t>
-            </a:r>
-            <a:endParaRPr lang="pt-BR" sz="2400" dirty="0">
-              <a:solidFill>
-                <a:prstClr val="black"/>
-              </a:solidFill>
-              <a:latin typeface="Verdana" panose="020B0604030504040204" pitchFamily="34" charset="0"/>
-              <a:ea typeface="Verdana" panose="020B0604030504040204" pitchFamily="34" charset="0"/>
-              <a:cs typeface="MV Boli" panose="02000500030200090000" pitchFamily="2" charset="0"/>
-            </a:endParaRPr>
+              <a:t>Dream House</a:t>
+            </a:r>
           </a:p>
         </p:txBody>
       </p:sp>
@@ -3794,10 +3775,12 @@
             <a:avLst/>
           </a:prstGeom>
           <a:solidFill>
-            <a:schemeClr val="accent6"/>
+            <a:srgbClr val="FA4DC8"/>
           </a:solidFill>
           <a:ln w="12700" cap="flat" cmpd="sng" algn="ctr">
-            <a:noFill/>
+            <a:solidFill>
+              <a:srgbClr val="FA4DC8"/>
+            </a:solidFill>
             <a:prstDash val="solid"/>
             <a:miter lim="800000"/>
           </a:ln>
@@ -3912,10 +3895,7 @@
             <a:avLst/>
           </a:prstGeom>
           <a:solidFill>
-            <a:schemeClr val="accent4">
-              <a:lumMod val="60000"/>
-              <a:lumOff val="40000"/>
-            </a:schemeClr>
+            <a:srgbClr val="181619"/>
           </a:solidFill>
           <a:ln w="12700" cap="flat" cmpd="sng" algn="ctr">
             <a:noFill/>
@@ -3941,7 +3921,7 @@
             <a:r>
               <a:rPr lang="pt-BR" sz="1200" kern="0" dirty="0">
                 <a:solidFill>
-                  <a:prstClr val="black"/>
+                  <a:schemeClr val="bg1"/>
                 </a:solidFill>
                 <a:latin typeface="Verdana" panose="020B0604030504040204" pitchFamily="34" charset="0"/>
                 <a:ea typeface="Verdana" panose="020B0604030504040204" pitchFamily="34" charset="0"/>
@@ -3973,7 +3953,7 @@
             <a:avLst/>
           </a:prstGeom>
           <a:solidFill>
-            <a:srgbClr val="00B050"/>
+            <a:srgbClr val="FA4DC8"/>
           </a:solidFill>
           <a:ln w="12700" cap="flat" cmpd="sng" algn="ctr">
             <a:noFill/>
@@ -4102,7 +4082,7 @@
             <a:avLst/>
           </a:prstGeom>
           <a:solidFill>
-            <a:schemeClr val="accent6"/>
+            <a:srgbClr val="FA4DC8"/>
           </a:solidFill>
           <a:ln w="12700" cap="flat" cmpd="sng" algn="ctr">
             <a:noFill/>
@@ -4160,7 +4140,7 @@
             <a:avLst/>
           </a:prstGeom>
           <a:solidFill>
-            <a:schemeClr val="accent6"/>
+            <a:srgbClr val="FA4DC8"/>
           </a:solidFill>
           <a:ln w="12700" cap="flat" cmpd="sng" algn="ctr">
             <a:noFill/>
@@ -4338,10 +4318,7 @@
             <a:avLst/>
           </a:prstGeom>
           <a:solidFill>
-            <a:schemeClr val="accent4">
-              <a:lumMod val="60000"/>
-              <a:lumOff val="40000"/>
-            </a:schemeClr>
+            <a:srgbClr val="181619"/>
           </a:solidFill>
           <a:ln w="12700" cap="flat" cmpd="sng" algn="ctr">
             <a:noFill/>
@@ -4361,13 +4338,11 @@
           <a:bodyPr rtlCol="0" anchor="ctr"/>
           <a:lstStyle/>
           <a:p>
-            <a:pPr algn="ctr" defTabSz="727405">
-              <a:defRPr/>
-            </a:pPr>
+            <a:pPr algn="ctr" defTabSz="727405"/>
             <a:r>
               <a:rPr lang="pt-BR" sz="1200" kern="0" dirty="0">
                 <a:solidFill>
-                  <a:prstClr val="black"/>
+                  <a:schemeClr val="bg1"/>
                 </a:solidFill>
                 <a:latin typeface="Verdana" panose="020B0604030504040204" pitchFamily="34" charset="0"/>
                 <a:ea typeface="Verdana" panose="020B0604030504040204" pitchFamily="34" charset="0"/>
@@ -4399,10 +4374,7 @@
             <a:avLst/>
           </a:prstGeom>
           <a:solidFill>
-            <a:schemeClr val="accent4">
-              <a:lumMod val="60000"/>
-              <a:lumOff val="40000"/>
-            </a:schemeClr>
+            <a:srgbClr val="181619"/>
           </a:solidFill>
           <a:ln w="12700" cap="flat" cmpd="sng" algn="ctr">
             <a:noFill/>
@@ -4422,13 +4394,11 @@
           <a:bodyPr rtlCol="0" anchor="ctr"/>
           <a:lstStyle/>
           <a:p>
-            <a:pPr algn="ctr" defTabSz="727405">
-              <a:defRPr/>
-            </a:pPr>
+            <a:pPr algn="ctr" defTabSz="727405"/>
             <a:r>
               <a:rPr lang="pt-BR" sz="1200" kern="0" dirty="0">
                 <a:solidFill>
-                  <a:prstClr val="black"/>
+                  <a:schemeClr val="bg1"/>
                 </a:solidFill>
                 <a:latin typeface="Verdana" panose="020B0604030504040204" pitchFamily="34" charset="0"/>
                 <a:ea typeface="Verdana" panose="020B0604030504040204" pitchFamily="34" charset="0"/>
@@ -4460,7 +4430,7 @@
             <a:avLst/>
           </a:prstGeom>
           <a:solidFill>
-            <a:schemeClr val="accent6"/>
+            <a:srgbClr val="FA4DC8"/>
           </a:solidFill>
           <a:ln w="12700" cap="flat" cmpd="sng" algn="ctr">
             <a:noFill/>
@@ -4518,7 +4488,7 @@
             <a:avLst/>
           </a:prstGeom>
           <a:solidFill>
-            <a:schemeClr val="accent6"/>
+            <a:srgbClr val="FA4DC8"/>
           </a:solidFill>
           <a:ln w="12700" cap="flat" cmpd="sng" algn="ctr">
             <a:noFill/>
@@ -4696,10 +4666,7 @@
             <a:avLst/>
           </a:prstGeom>
           <a:solidFill>
-            <a:schemeClr val="accent4">
-              <a:lumMod val="60000"/>
-              <a:lumOff val="40000"/>
-            </a:schemeClr>
+            <a:srgbClr val="181619"/>
           </a:solidFill>
           <a:ln w="12700" cap="flat" cmpd="sng" algn="ctr">
             <a:noFill/>
@@ -4719,13 +4686,11 @@
           <a:bodyPr rtlCol="0" anchor="ctr"/>
           <a:lstStyle/>
           <a:p>
-            <a:pPr algn="ctr" defTabSz="727405">
-              <a:defRPr/>
-            </a:pPr>
+            <a:pPr algn="ctr" defTabSz="727405"/>
             <a:r>
               <a:rPr lang="pt-BR" sz="1200" kern="0" dirty="0">
                 <a:solidFill>
-                  <a:prstClr val="black"/>
+                  <a:schemeClr val="bg1"/>
                 </a:solidFill>
                 <a:latin typeface="Verdana" panose="020B0604030504040204" pitchFamily="34" charset="0"/>
                 <a:ea typeface="Verdana" panose="020B0604030504040204" pitchFamily="34" charset="0"/>
@@ -4757,10 +4722,7 @@
             <a:avLst/>
           </a:prstGeom>
           <a:solidFill>
-            <a:schemeClr val="accent4">
-              <a:lumMod val="60000"/>
-              <a:lumOff val="40000"/>
-            </a:schemeClr>
+            <a:srgbClr val="181619"/>
           </a:solidFill>
           <a:ln w="12700" cap="flat" cmpd="sng" algn="ctr">
             <a:noFill/>
@@ -4780,36 +4742,18 @@
           <a:bodyPr rtlCol="0" anchor="ctr"/>
           <a:lstStyle/>
           <a:p>
-            <a:pPr algn="ctr" defTabSz="727405">
-              <a:defRPr/>
-            </a:pPr>
-            <a:r>
-              <a:rPr lang="pt-BR" sz="1200" dirty="0">
+            <a:pPr algn="ctr" defTabSz="727405"/>
+            <a:r>
+              <a:rPr lang="pt-BR" sz="1200" kern="0" dirty="0">
                 <a:solidFill>
-                  <a:srgbClr val="202124"/>
+                  <a:schemeClr val="bg1"/>
                 </a:solidFill>
-                <a:latin typeface="arial" panose="020B0604020202020204" pitchFamily="34" charset="0"/>
+                <a:latin typeface="Verdana" panose="020B0604030504040204" pitchFamily="34" charset="0"/>
+                <a:ea typeface="Verdana" panose="020B0604030504040204" pitchFamily="34" charset="0"/>
+                <a:cs typeface="MV Boli" panose="02000500030200090000" pitchFamily="2" charset="0"/>
               </a:rPr>
-              <a:t>C</a:t>
-            </a:r>
-            <a:r>
-              <a:rPr lang="pt-BR" sz="1200" b="0" i="0" dirty="0">
-                <a:solidFill>
-                  <a:srgbClr val="202124"/>
-                </a:solidFill>
-                <a:effectLst/>
-                <a:latin typeface="arial" panose="020B0604020202020204" pitchFamily="34" charset="0"/>
-              </a:rPr>
-              <a:t>omprador</a:t>
-            </a:r>
-            <a:endParaRPr lang="pt-BR" sz="1200" kern="0" dirty="0">
-              <a:solidFill>
-                <a:prstClr val="black"/>
-              </a:solidFill>
-              <a:latin typeface="Verdana" panose="020B0604030504040204" pitchFamily="34" charset="0"/>
-              <a:ea typeface="Verdana" panose="020B0604030504040204" pitchFamily="34" charset="0"/>
-              <a:cs typeface="MV Boli" panose="02000500030200090000" pitchFamily="2" charset="0"/>
-            </a:endParaRPr>
+              <a:t>Comprador</a:t>
+            </a:r>
           </a:p>
         </p:txBody>
       </p:sp>
